--- a/proyecto/informe/entrega1/ED1-Eafit-Presentacion Proyecto-Vr-4.0.pptx
+++ b/proyecto/informe/entrega1/ED1-Eafit-Presentacion Proyecto-Vr-4.0.pptx
@@ -260,7 +260,7 @@
       <p15:sldGuideLst xmlns:p15="http://schemas.microsoft.com/office/powerpoint/2012/main"/>
     </p:ext>
     <p:ext uri="http://customooxmlschemas.google.com/">
-      <go:slidesCustomData xmlns="" xmlns:mc="http://schemas.openxmlformats.org/markup-compatibility/2006" xmlns:mv="urn:schemas-microsoft-com:mac:vml" xmlns:c="http://schemas.openxmlformats.org/drawingml/2006/chart" xmlns:dgm="http://schemas.openxmlformats.org/drawingml/2006/diagram" xmlns:o="urn:schemas-microsoft-com:office:office" xmlns:v="urn:schemas-microsoft-com:vml" xmlns:pvml="urn:schemas-microsoft-com:office:powerpoint" xmlns:com="http://schemas.openxmlformats.org/drawingml/2006/compatibility" xmlns:p14="http://schemas.microsoft.com/office/powerpoint/2010/main" xmlns:p15="http://schemas.microsoft.com/office/powerpoint/2012/main" xmlns:ahyp="http://schemas.microsoft.com/office/drawing/2018/hyperlinkcolor" xmlns:go="http://customooxmlschemas.google.com/" r:id="rId21" roundtripDataSignature="AMtx7mjHzTg+goWcQk8fO5It0l+0ng5KHA=="/>
+      <go:slidesCustomData xmlns:go="http://customooxmlschemas.google.com/" xmlns:ahyp="http://schemas.microsoft.com/office/drawing/2018/hyperlinkcolor" xmlns:p15="http://schemas.microsoft.com/office/powerpoint/2012/main" xmlns:p14="http://schemas.microsoft.com/office/powerpoint/2010/main" xmlns:com="http://schemas.openxmlformats.org/drawingml/2006/compatibility" xmlns:pvml="urn:schemas-microsoft-com:office:powerpoint" xmlns:v="urn:schemas-microsoft-com:vml" xmlns:o="urn:schemas-microsoft-com:office:office" xmlns:dgm="http://schemas.openxmlformats.org/drawingml/2006/diagram" xmlns:c="http://schemas.openxmlformats.org/drawingml/2006/chart" xmlns:mv="urn:schemas-microsoft-com:mac:vml" xmlns:mc="http://schemas.openxmlformats.org/markup-compatibility/2006" xmlns="" r:id="rId21" roundtripDataSignature="AMtx7mjHzTg+goWcQk8fO5It0l+0ng5KHA=="/>
     </p:ext>
   </p:extLst>
 </p:presentation>
@@ -37175,12 +37175,16 @@
               <a:buSzPts val="2200"/>
             </a:pPr>
             <a:r>
-              <a:rPr lang="es-CO" sz="2000" b="1" dirty="0">
+              <a:rPr lang="es-CO" sz="2000" b="1" i="0" u="none" strike="noStrike" cap="none" dirty="0">
                 <a:solidFill>
                   <a:srgbClr val="001E33"/>
                 </a:solidFill>
+                <a:latin typeface="Arial"/>
+                <a:ea typeface="Arial"/>
+                <a:cs typeface="Arial"/>
+                <a:sym typeface="Arial"/>
               </a:rPr>
-              <a:t>https://github.com/SebasArias17/data-and-algorithms-project.git</a:t>
+              <a:t>https://github.com/sebasarias17/ST0245-003</a:t>
             </a:r>
             <a:endParaRPr sz="2000" b="1" i="0" u="none" strike="noStrike" cap="none" dirty="0">
               <a:solidFill>
